--- a/Game Design Document.pptx
+++ b/Game Design Document.pptx
@@ -178,43 +178,6 @@
     <p1510:client id="{5FA4123C-8C1B-4AB3-9F4C-550229CBD566}" v="5" dt="2025-01-24T18:04:45.592"/>
   </p1510:revLst>
 </p1510:revInfo>
-</file>
-
-<file path=ppt/comments/modernComment_104_C21B2EB1.xml><?xml version="1.0" encoding="utf-8"?>
-<p188:cmLst xmlns:a="http://schemas.openxmlformats.org/drawingml/2006/main" xmlns:r="http://schemas.openxmlformats.org/officeDocument/2006/relationships" xmlns:p188="http://schemas.microsoft.com/office/powerpoint/2018/8/main">
-  <p188:cm id="{F8FAEABD-919F-4032-A726-5AE9DF4AA908}" authorId="{00000000-0000-0000-0000-000000000000}" status="resolved" created="2022-10-04T10:00:29.184">
-    <ac:deMkLst xmlns:ac="http://schemas.microsoft.com/office/drawing/2013/main/command">
-      <pc:docMk xmlns:pc="http://schemas.microsoft.com/office/powerpoint/2013/main/command"/>
-      <pc:sldMk xmlns:pc="http://schemas.microsoft.com/office/powerpoint/2013/main/command" cId="3256561329" sldId="260"/>
-      <ac:spMk id="8" creationId="{00000000-0000-0000-0000-000000000000}"/>
-    </ac:deMkLst>
-    <p188:txBody>
-      <a:bodyPr/>
-      <a:lstStyle/>
-      <a:p>
-        <a:r>
-          <a:rPr lang="en-GB"/>
-          <a:t>Replace this with high concept pitch statement</a:t>
-        </a:r>
-      </a:p>
-    </p188:txBody>
-    <p188:extLst>
-      <p:ext xmlns:p="http://schemas.openxmlformats.org/presentationml/2006/main" uri="{5BB2D875-25FF-4072-B9AC-8F64D62656EB}">
-        <p228:taskDetails xmlns:p228="http://schemas.microsoft.com/office/powerpoint/2022/08/main">
-          <p228:history/>
-        </p228:taskDetails>
-      </p:ext>
-      <p:ext xmlns:p="http://schemas.openxmlformats.org/presentationml/2006/main" uri="{57CB4572-C831-44C2-8A1C-0ADB6CCDFE69}">
-        <p223:reactions xmlns:p223="http://schemas.microsoft.com/office/powerpoint/2022/03/main">
-          <p223:rxn type="👍">
-            <p223:instance time="2024-03-15T23:12:01.133" authorId="{00000000-0000-0000-0000-000000000000}"/>
-            <p223:instance time="2024-03-15T23:12:02.217" authorId="{00000000-0000-0000-0000-000000000000}"/>
-          </p223:rxn>
-        </p223:reactions>
-      </p:ext>
-    </p188:extLst>
-  </p188:cm>
-</p188:cmLst>
 </file>
 
 <file path=ppt/handoutMasters/handoutMaster1.xml><?xml version="1.0" encoding="utf-8"?>
@@ -12400,7 +12363,7 @@
                 <a:latin typeface="Century Gothic" panose="020B0502020202020204" pitchFamily="34" charset="0"/>
                 <a:cs typeface="Segoe UI Semilight" panose="020B0402040204020203" pitchFamily="34" charset="0"/>
               </a:rPr>
-              <a:t>PLACEHOLDER</a:t>
+              <a:t>Become Bubble; Upgrade Bubble; Be Bubble</a:t>
             </a:r>
           </a:p>
         </p:txBody>
@@ -12555,11 +12518,6 @@
       </p:transition>
     </mc:Fallback>
   </mc:AlternateContent>
-  <p:extLst>
-    <p:ext uri="{6950BFC3-D8DA-4A85-94F7-54DA5524770B}">
-      <p188:commentRel xmlns:p188="http://schemas.microsoft.com/office/powerpoint/2018/8/main" r:id="rId3"/>
-    </p:ext>
-  </p:extLst>
 </p:sld>
 </file>
 
@@ -12701,7 +12659,7 @@
         <p:spPr>
           <a:xfrm>
             <a:off x="2488006" y="3005710"/>
-            <a:ext cx="928509" cy="439582"/>
+            <a:ext cx="845353" cy="458779"/>
           </a:xfrm>
           <a:prstGeom prst="line">
             <a:avLst/>
@@ -12749,8 +12707,8 @@
         </p:nvSpPr>
         <p:spPr>
           <a:xfrm rot="20820000">
-            <a:off x="1228056" y="3433848"/>
-            <a:ext cx="4577796" cy="892985"/>
+            <a:off x="1708403" y="3453046"/>
+            <a:ext cx="3450789" cy="892985"/>
           </a:xfrm>
           <a:prstGeom prst="roundRect">
             <a:avLst>
@@ -12805,8 +12763,8 @@
         </p:nvSpPr>
         <p:spPr>
           <a:xfrm rot="20820000">
-            <a:off x="5914027" y="2575211"/>
-            <a:ext cx="2577872" cy="892985"/>
+            <a:off x="5039906" y="2684110"/>
+            <a:ext cx="3382730" cy="892985"/>
           </a:xfrm>
           <a:prstGeom prst="roundRect">
             <a:avLst>
@@ -12865,8 +12823,8 @@
         </p:nvCxnSpPr>
         <p:spPr>
           <a:xfrm>
-            <a:off x="7303402" y="3456752"/>
-            <a:ext cx="1877353" cy="517794"/>
+            <a:off x="6831710" y="3565651"/>
+            <a:ext cx="2349045" cy="408895"/>
           </a:xfrm>
           <a:prstGeom prst="line">
             <a:avLst/>
@@ -12914,8 +12872,8 @@
         </p:nvSpPr>
         <p:spPr>
           <a:xfrm rot="20820000">
-            <a:off x="8447450" y="1931702"/>
-            <a:ext cx="2930107" cy="892985"/>
+            <a:off x="8368533" y="2033434"/>
+            <a:ext cx="2206641" cy="892985"/>
           </a:xfrm>
           <a:prstGeom prst="roundRect">
             <a:avLst>
@@ -12956,53 +12914,6 @@
           </a:p>
         </p:txBody>
       </p:sp>
-      <p:sp>
-        <p:nvSpPr>
-          <p:cNvPr id="8" name="Content Placeholder 2">
-            <a:extLst>
-              <a:ext uri="{FF2B5EF4-FFF2-40B4-BE49-F238E27FC236}">
-                <a16:creationId xmlns:a16="http://schemas.microsoft.com/office/drawing/2014/main" id="{4197B9F3-8A58-A50B-AB1B-34FA5A0B6AB1}"/>
-              </a:ext>
-            </a:extLst>
-          </p:cNvPr>
-          <p:cNvSpPr>
-            <a:spLocks noGrp="1"/>
-          </p:cNvSpPr>
-          <p:nvPr>
-            <p:ph idx="4294967295"/>
-          </p:nvPr>
-        </p:nvSpPr>
-        <p:spPr>
-          <a:xfrm rot="20796509">
-            <a:off x="-2183794" y="3610508"/>
-            <a:ext cx="11530388" cy="535531"/>
-          </a:xfrm>
-        </p:spPr>
-        <p:txBody>
-          <a:bodyPr wrap="square">
-            <a:spAutoFit/>
-          </a:bodyPr>
-          <a:lstStyle/>
-          <a:p>
-            <a:pPr marL="0" indent="0" algn="ctr">
-              <a:buClr>
-                <a:srgbClr val="33A3FF"/>
-              </a:buClr>
-              <a:buNone/>
-            </a:pPr>
-            <a:r>
-              <a:rPr lang="en-GB" sz="3200" b="1" dirty="0">
-                <a:solidFill>
-                  <a:schemeClr val="bg1"/>
-                </a:solidFill>
-                <a:latin typeface="Century Gothic" panose="020B0502020202020204" pitchFamily="34" charset="0"/>
-                <a:cs typeface="Segoe UI Semilight" panose="020B0402040204020203" pitchFamily="34" charset="0"/>
-              </a:rPr>
-              <a:t>PLACEHOLER</a:t>
-            </a:r>
-          </a:p>
-        </p:txBody>
-      </p:sp>
       <p:cxnSp>
         <p:nvCxnSpPr>
           <p:cNvPr id="13" name="Straight Connector 12">
@@ -13022,7 +12933,7 @@
         <p:spPr>
           <a:xfrm>
             <a:off x="8054788" y="1373772"/>
-            <a:ext cx="1757277" cy="569373"/>
+            <a:ext cx="1316627" cy="671105"/>
           </a:xfrm>
           <a:prstGeom prst="line">
             <a:avLst/>
@@ -13514,10 +13425,10 @@
       </p:sp>
       <p:sp>
         <p:nvSpPr>
-          <p:cNvPr id="3" name="Content Placeholder 2">
-            <a:extLst>
-              <a:ext uri="{FF2B5EF4-FFF2-40B4-BE49-F238E27FC236}">
-                <a16:creationId xmlns:a16="http://schemas.microsoft.com/office/drawing/2014/main" id="{92F24378-4015-F86C-52B3-C79C4C9D18FB}"/>
+          <p:cNvPr id="6" name="Content Placeholder 2">
+            <a:extLst>
+              <a:ext uri="{FF2B5EF4-FFF2-40B4-BE49-F238E27FC236}">
+                <a16:creationId xmlns:a16="http://schemas.microsoft.com/office/drawing/2014/main" id="{41147927-7CA5-65E4-A77A-FE4AA4D8BE4A}"/>
               </a:ext>
             </a:extLst>
           </p:cNvPr>
@@ -13528,7 +13439,7 @@
         </p:nvSpPr>
         <p:spPr>
           <a:xfrm rot="20796509">
-            <a:off x="1437769" y="2742783"/>
+            <a:off x="363092" y="2997922"/>
             <a:ext cx="11530388" cy="535531"/>
           </a:xfrm>
           <a:prstGeom prst="rect">
@@ -13712,241 +13623,132 @@
               <a:buNone/>
             </a:pPr>
             <a:r>
-              <a:rPr lang="en-GB" sz="3200" b="1">
+              <a:rPr lang="en-GB" sz="3200" b="1" dirty="0">
                 <a:solidFill>
                   <a:schemeClr val="bg1"/>
                 </a:solidFill>
                 <a:latin typeface="Century Gothic" panose="020B0502020202020204" pitchFamily="34" charset="0"/>
                 <a:cs typeface="Segoe UI Semilight" panose="020B0402040204020203" pitchFamily="34" charset="0"/>
               </a:rPr>
-              <a:t>PLACEHOLER</a:t>
+              <a:t>Become Bubble; Upgrade Bubble; Be Bubble</a:t>
             </a:r>
-            <a:endParaRPr lang="en-GB" sz="3200" b="1" dirty="0">
-              <a:solidFill>
-                <a:schemeClr val="bg1"/>
-              </a:solidFill>
-              <a:latin typeface="Century Gothic" panose="020B0502020202020204" pitchFamily="34" charset="0"/>
-              <a:cs typeface="Segoe UI Semilight" panose="020B0402040204020203" pitchFamily="34" charset="0"/>
-            </a:endParaRPr>
-          </a:p>
-        </p:txBody>
-      </p:sp>
-      <p:sp>
-        <p:nvSpPr>
-          <p:cNvPr id="5" name="Content Placeholder 2">
-            <a:extLst>
-              <a:ext uri="{FF2B5EF4-FFF2-40B4-BE49-F238E27FC236}">
-                <a16:creationId xmlns:a16="http://schemas.microsoft.com/office/drawing/2014/main" id="{71749878-012D-FC7A-3158-44A0F4135636}"/>
-              </a:ext>
-            </a:extLst>
-          </p:cNvPr>
-          <p:cNvSpPr txBox="1">
-            <a:spLocks/>
-          </p:cNvSpPr>
-          <p:nvPr/>
-        </p:nvSpPr>
-        <p:spPr>
-          <a:xfrm rot="20796509">
-            <a:off x="4098403" y="2118362"/>
-            <a:ext cx="11530388" cy="535531"/>
+          </a:p>
+        </p:txBody>
+      </p:sp>
+      <p:sp>
+        <p:nvSpPr>
+          <p:cNvPr id="26" name="TextBox 25">
+            <a:extLst>
+              <a:ext uri="{FF2B5EF4-FFF2-40B4-BE49-F238E27FC236}">
+                <a16:creationId xmlns:a16="http://schemas.microsoft.com/office/drawing/2014/main" id="{6C1DFEE4-903C-AA7F-7844-3EE0CE13816D}"/>
+              </a:ext>
+            </a:extLst>
+          </p:cNvPr>
+          <p:cNvSpPr txBox="1"/>
+          <p:nvPr/>
+        </p:nvSpPr>
+        <p:spPr>
+          <a:xfrm>
+            <a:off x="457831" y="1428832"/>
+            <a:ext cx="4118952" cy="338554"/>
           </a:xfrm>
           <a:prstGeom prst="rect">
             <a:avLst/>
           </a:prstGeom>
-        </p:spPr>
-        <p:txBody>
-          <a:bodyPr vert="horz" wrap="square" lIns="91440" tIns="45720" rIns="91440" bIns="45720" rtlCol="0">
+          <a:noFill/>
+        </p:spPr>
+        <p:txBody>
+          <a:bodyPr wrap="square" rtlCol="0">
             <a:spAutoFit/>
           </a:bodyPr>
-          <a:lstStyle>
-            <a:lvl1pPr marL="228600" indent="-228600" algn="l" defTabSz="914400" rtl="0" eaLnBrk="1" latinLnBrk="0" hangingPunct="1">
-              <a:lnSpc>
-                <a:spcPct val="90000"/>
-              </a:lnSpc>
-              <a:spcBef>
-                <a:spcPts val="1000"/>
-              </a:spcBef>
-              <a:buFont typeface="Arial" panose="020B0604020202020204" pitchFamily="34" charset="0"/>
-              <a:buChar char="•"/>
-              <a:defRPr sz="2800" kern="1200">
-                <a:solidFill>
-                  <a:schemeClr val="tx1"/>
-                </a:solidFill>
-                <a:latin typeface="+mn-lt"/>
-                <a:ea typeface="+mn-ea"/>
-                <a:cs typeface="+mn-cs"/>
-              </a:defRPr>
-            </a:lvl1pPr>
-            <a:lvl2pPr marL="685800" indent="-228600" algn="l" defTabSz="914400" rtl="0" eaLnBrk="1" latinLnBrk="0" hangingPunct="1">
-              <a:lnSpc>
-                <a:spcPct val="90000"/>
-              </a:lnSpc>
-              <a:spcBef>
-                <a:spcPts val="500"/>
-              </a:spcBef>
-              <a:buFont typeface="Arial" panose="020B0604020202020204" pitchFamily="34" charset="0"/>
-              <a:buChar char="•"/>
-              <a:defRPr sz="2400" kern="1200">
-                <a:solidFill>
-                  <a:schemeClr val="tx1"/>
-                </a:solidFill>
-                <a:latin typeface="+mn-lt"/>
-                <a:ea typeface="+mn-ea"/>
-                <a:cs typeface="+mn-cs"/>
-              </a:defRPr>
-            </a:lvl2pPr>
-            <a:lvl3pPr marL="1143000" indent="-228600" algn="l" defTabSz="914400" rtl="0" eaLnBrk="1" latinLnBrk="0" hangingPunct="1">
-              <a:lnSpc>
-                <a:spcPct val="90000"/>
-              </a:lnSpc>
-              <a:spcBef>
-                <a:spcPts val="500"/>
-              </a:spcBef>
-              <a:buFont typeface="Arial" panose="020B0604020202020204" pitchFamily="34" charset="0"/>
-              <a:buChar char="•"/>
-              <a:defRPr sz="2000" kern="1200">
-                <a:solidFill>
-                  <a:schemeClr val="tx1"/>
-                </a:solidFill>
-                <a:latin typeface="+mn-lt"/>
-                <a:ea typeface="+mn-ea"/>
-                <a:cs typeface="+mn-cs"/>
-              </a:defRPr>
-            </a:lvl3pPr>
-            <a:lvl4pPr marL="1600200" indent="-228600" algn="l" defTabSz="914400" rtl="0" eaLnBrk="1" latinLnBrk="0" hangingPunct="1">
-              <a:lnSpc>
-                <a:spcPct val="90000"/>
-              </a:lnSpc>
-              <a:spcBef>
-                <a:spcPts val="500"/>
-              </a:spcBef>
-              <a:buFont typeface="Arial" panose="020B0604020202020204" pitchFamily="34" charset="0"/>
-              <a:buChar char="•"/>
-              <a:defRPr sz="1800" kern="1200">
-                <a:solidFill>
-                  <a:schemeClr val="tx1"/>
-                </a:solidFill>
-                <a:latin typeface="+mn-lt"/>
-                <a:ea typeface="+mn-ea"/>
-                <a:cs typeface="+mn-cs"/>
-              </a:defRPr>
-            </a:lvl4pPr>
-            <a:lvl5pPr marL="2057400" indent="-228600" algn="l" defTabSz="914400" rtl="0" eaLnBrk="1" latinLnBrk="0" hangingPunct="1">
-              <a:lnSpc>
-                <a:spcPct val="90000"/>
-              </a:lnSpc>
-              <a:spcBef>
-                <a:spcPts val="500"/>
-              </a:spcBef>
-              <a:buFont typeface="Arial" panose="020B0604020202020204" pitchFamily="34" charset="0"/>
-              <a:buChar char="•"/>
-              <a:defRPr sz="1800" kern="1200">
-                <a:solidFill>
-                  <a:schemeClr val="tx1"/>
-                </a:solidFill>
-                <a:latin typeface="+mn-lt"/>
-                <a:ea typeface="+mn-ea"/>
-                <a:cs typeface="+mn-cs"/>
-              </a:defRPr>
-            </a:lvl5pPr>
-            <a:lvl6pPr marL="2514600" indent="-228600" algn="l" defTabSz="914400" rtl="0" eaLnBrk="1" latinLnBrk="0" hangingPunct="1">
-              <a:lnSpc>
-                <a:spcPct val="90000"/>
-              </a:lnSpc>
-              <a:spcBef>
-                <a:spcPts val="500"/>
-              </a:spcBef>
-              <a:buFont typeface="Arial" panose="020B0604020202020204" pitchFamily="34" charset="0"/>
-              <a:buChar char="•"/>
-              <a:defRPr sz="1800" kern="1200">
-                <a:solidFill>
-                  <a:schemeClr val="tx1"/>
-                </a:solidFill>
-                <a:latin typeface="+mn-lt"/>
-                <a:ea typeface="+mn-ea"/>
-                <a:cs typeface="+mn-cs"/>
-              </a:defRPr>
-            </a:lvl6pPr>
-            <a:lvl7pPr marL="2971800" indent="-228600" algn="l" defTabSz="914400" rtl="0" eaLnBrk="1" latinLnBrk="0" hangingPunct="1">
-              <a:lnSpc>
-                <a:spcPct val="90000"/>
-              </a:lnSpc>
-              <a:spcBef>
-                <a:spcPts val="500"/>
-              </a:spcBef>
-              <a:buFont typeface="Arial" panose="020B0604020202020204" pitchFamily="34" charset="0"/>
-              <a:buChar char="•"/>
-              <a:defRPr sz="1800" kern="1200">
-                <a:solidFill>
-                  <a:schemeClr val="tx1"/>
-                </a:solidFill>
-                <a:latin typeface="+mn-lt"/>
-                <a:ea typeface="+mn-ea"/>
-                <a:cs typeface="+mn-cs"/>
-              </a:defRPr>
-            </a:lvl7pPr>
-            <a:lvl8pPr marL="3429000" indent="-228600" algn="l" defTabSz="914400" rtl="0" eaLnBrk="1" latinLnBrk="0" hangingPunct="1">
-              <a:lnSpc>
-                <a:spcPct val="90000"/>
-              </a:lnSpc>
-              <a:spcBef>
-                <a:spcPts val="500"/>
-              </a:spcBef>
-              <a:buFont typeface="Arial" panose="020B0604020202020204" pitchFamily="34" charset="0"/>
-              <a:buChar char="•"/>
-              <a:defRPr sz="1800" kern="1200">
-                <a:solidFill>
-                  <a:schemeClr val="tx1"/>
-                </a:solidFill>
-                <a:latin typeface="+mn-lt"/>
-                <a:ea typeface="+mn-ea"/>
-                <a:cs typeface="+mn-cs"/>
-              </a:defRPr>
-            </a:lvl8pPr>
-            <a:lvl9pPr marL="3886200" indent="-228600" algn="l" defTabSz="914400" rtl="0" eaLnBrk="1" latinLnBrk="0" hangingPunct="1">
-              <a:lnSpc>
-                <a:spcPct val="90000"/>
-              </a:lnSpc>
-              <a:spcBef>
-                <a:spcPts val="500"/>
-              </a:spcBef>
-              <a:buFont typeface="Arial" panose="020B0604020202020204" pitchFamily="34" charset="0"/>
-              <a:buChar char="•"/>
-              <a:defRPr sz="1800" kern="1200">
-                <a:solidFill>
-                  <a:schemeClr val="tx1"/>
-                </a:solidFill>
-                <a:latin typeface="+mn-lt"/>
-                <a:ea typeface="+mn-ea"/>
-                <a:cs typeface="+mn-cs"/>
-              </a:defRPr>
-            </a:lvl9pPr>
-          </a:lstStyle>
-          <a:p>
-            <a:pPr marL="0" indent="0" algn="ctr">
-              <a:buClr>
-                <a:srgbClr val="33A3FF"/>
-              </a:buClr>
-              <a:buFont typeface="Arial" panose="020B0604020202020204" pitchFamily="34" charset="0"/>
-              <a:buNone/>
-            </a:pPr>
+          <a:lstStyle/>
+          <a:p>
             <a:r>
-              <a:rPr lang="en-GB" sz="3200" b="1">
+              <a:rPr lang="en-GB" sz="1600" dirty="0">
                 <a:solidFill>
                   <a:schemeClr val="bg1"/>
                 </a:solidFill>
-                <a:latin typeface="Century Gothic" panose="020B0502020202020204" pitchFamily="34" charset="0"/>
-                <a:cs typeface="Segoe UI Semilight" panose="020B0402040204020203" pitchFamily="34" charset="0"/>
               </a:rPr>
-              <a:t>PLACEHOLER</a:t>
+              <a:t>Placeholder</a:t>
             </a:r>
-            <a:endParaRPr lang="en-GB" sz="3200" b="1" dirty="0">
-              <a:solidFill>
-                <a:schemeClr val="bg1"/>
-              </a:solidFill>
-              <a:latin typeface="Century Gothic" panose="020B0502020202020204" pitchFamily="34" charset="0"/>
-              <a:cs typeface="Segoe UI Semilight" panose="020B0402040204020203" pitchFamily="34" charset="0"/>
-            </a:endParaRPr>
+          </a:p>
+        </p:txBody>
+      </p:sp>
+      <p:sp>
+        <p:nvSpPr>
+          <p:cNvPr id="30" name="TextBox 29">
+            <a:extLst>
+              <a:ext uri="{FF2B5EF4-FFF2-40B4-BE49-F238E27FC236}">
+                <a16:creationId xmlns:a16="http://schemas.microsoft.com/office/drawing/2014/main" id="{2DC1AD55-9E0C-9B67-9A08-26F7A17BC14E}"/>
+              </a:ext>
+            </a:extLst>
+          </p:cNvPr>
+          <p:cNvSpPr txBox="1"/>
+          <p:nvPr/>
+        </p:nvSpPr>
+        <p:spPr>
+          <a:xfrm>
+            <a:off x="5549152" y="181610"/>
+            <a:ext cx="4118952" cy="338554"/>
+          </a:xfrm>
+          <a:prstGeom prst="rect">
+            <a:avLst/>
+          </a:prstGeom>
+          <a:noFill/>
+        </p:spPr>
+        <p:txBody>
+          <a:bodyPr wrap="square" rtlCol="0">
+            <a:spAutoFit/>
+          </a:bodyPr>
+          <a:lstStyle/>
+          <a:p>
+            <a:r>
+              <a:rPr lang="en-GB" sz="1600" dirty="0">
+                <a:solidFill>
+                  <a:schemeClr val="bg1"/>
+                </a:solidFill>
+              </a:rPr>
+              <a:t>Placeholder</a:t>
+            </a:r>
+          </a:p>
+        </p:txBody>
+      </p:sp>
+      <p:sp>
+        <p:nvSpPr>
+          <p:cNvPr id="31" name="TextBox 30">
+            <a:extLst>
+              <a:ext uri="{FF2B5EF4-FFF2-40B4-BE49-F238E27FC236}">
+                <a16:creationId xmlns:a16="http://schemas.microsoft.com/office/drawing/2014/main" id="{7BE17EC4-F6C9-1247-306E-1286FA5516B4}"/>
+              </a:ext>
+            </a:extLst>
+          </p:cNvPr>
+          <p:cNvSpPr txBox="1"/>
+          <p:nvPr/>
+        </p:nvSpPr>
+        <p:spPr>
+          <a:xfrm>
+            <a:off x="6831710" y="3972842"/>
+            <a:ext cx="4118952" cy="338554"/>
+          </a:xfrm>
+          <a:prstGeom prst="rect">
+            <a:avLst/>
+          </a:prstGeom>
+          <a:noFill/>
+        </p:spPr>
+        <p:txBody>
+          <a:bodyPr wrap="square" rtlCol="0">
+            <a:spAutoFit/>
+          </a:bodyPr>
+          <a:lstStyle/>
+          <a:p>
+            <a:r>
+              <a:rPr lang="en-GB" sz="1600" dirty="0">
+                <a:solidFill>
+                  <a:schemeClr val="bg1"/>
+                </a:solidFill>
+              </a:rPr>
+              <a:t>Placeholder</a:t>
+            </a:r>
           </a:p>
         </p:txBody>
       </p:sp>
@@ -22687,7 +22489,7 @@
                 <a:latin typeface="Century Gothic" panose="020B0502020202020204" pitchFamily="34" charset="0"/>
                 <a:cs typeface="Segoe UI Semilight" panose="020B0402040204020203" pitchFamily="34" charset="0"/>
               </a:rPr>
-              <a:t>WORKING TITLE (BUBBLES)</a:t>
+              <a:t>“Don’t Burst Your Bubble!”</a:t>
             </a:r>
             <a:endParaRPr lang="en-GB" sz="1400" b="1" dirty="0">
               <a:solidFill>
@@ -22790,7 +22592,7 @@
                 <a:latin typeface="Century Gothic" panose="020B0502020202020204" pitchFamily="34" charset="0"/>
                 <a:cs typeface="Segoe UI Semilight" panose="020B0402040204020203" pitchFamily="34" charset="0"/>
               </a:rPr>
-              <a:t>WORKING TITLE (BUBBLES)</a:t>
+              <a:t>“Don’t Burst Your Bubble!”</a:t>
             </a:r>
             <a:endParaRPr lang="en-GB" b="1" dirty="0">
               <a:solidFill>
@@ -26593,6 +26395,15 @@
 </file>
 
 <file path=customXml/item1.xml><?xml version="1.0" encoding="utf-8"?>
+<?mso-contentType ?>
+<FormTemplates xmlns="http://schemas.microsoft.com/sharepoint/v3/contenttype/forms">
+  <Display>DocumentLibraryForm</Display>
+  <Edit>DocumentLibraryForm</Edit>
+  <New>DocumentLibraryForm</New>
+</FormTemplates>
+</file>
+
+<file path=customXml/item2.xml><?xml version="1.0" encoding="utf-8"?>
 <p:properties xmlns:p="http://schemas.microsoft.com/office/2006/metadata/properties" xmlns:xsi="http://www.w3.org/2001/XMLSchema-instance" xmlns:pc="http://schemas.microsoft.com/office/infopath/2007/PartnerControls">
   <documentManagement>
     <TaxCatchAll xmlns="ac1d6235-51e3-4a29-8ef4-963eeebbd849" xsi:nil="true"/>
@@ -26602,15 +26413,6 @@
     <Topics xmlns="45c0638f-8904-45ab-b124-b1f7ff451179" xsi:nil="true"/>
   </documentManagement>
 </p:properties>
-</file>
-
-<file path=customXml/item2.xml><?xml version="1.0" encoding="utf-8"?>
-<?mso-contentType ?>
-<FormTemplates xmlns="http://schemas.microsoft.com/sharepoint/v3/contenttype/forms">
-  <Display>DocumentLibraryForm</Display>
-  <Edit>DocumentLibraryForm</Edit>
-  <New>DocumentLibraryForm</New>
-</FormTemplates>
 </file>
 
 <file path=customXml/item3.xml><?xml version="1.0" encoding="utf-8"?>
@@ -26857,6 +26659,14 @@
 </file>
 
 <file path=customXml/itemProps1.xml><?xml version="1.0" encoding="utf-8"?>
+<ds:datastoreItem xmlns:ds="http://schemas.openxmlformats.org/officeDocument/2006/customXml" ds:itemID="{7D4DA5DC-C2E1-4558-8729-5BE03727A839}">
+  <ds:schemaRefs>
+    <ds:schemaRef ds:uri="http://schemas.microsoft.com/sharepoint/v3/contenttype/forms"/>
+  </ds:schemaRefs>
+</ds:datastoreItem>
+</file>
+
+<file path=customXml/itemProps2.xml><?xml version="1.0" encoding="utf-8"?>
 <ds:datastoreItem xmlns:ds="http://schemas.openxmlformats.org/officeDocument/2006/customXml" ds:itemID="{13C62C96-F9DF-4CC5-A205-5CD58B9BEFD6}">
   <ds:schemaRefs>
     <ds:schemaRef ds:uri="http://purl.org/dc/terms/"/>
@@ -26869,14 +26679,6 @@
     <ds:schemaRef ds:uri="45c0638f-8904-45ab-b124-b1f7ff451179"/>
     <ds:schemaRef ds:uri="http://schemas.microsoft.com/office/2006/metadata/properties"/>
     <ds:schemaRef ds:uri="http://purl.org/dc/dcmitype/"/>
-  </ds:schemaRefs>
-</ds:datastoreItem>
-</file>
-
-<file path=customXml/itemProps2.xml><?xml version="1.0" encoding="utf-8"?>
-<ds:datastoreItem xmlns:ds="http://schemas.openxmlformats.org/officeDocument/2006/customXml" ds:itemID="{7D4DA5DC-C2E1-4558-8729-5BE03727A839}">
-  <ds:schemaRefs>
-    <ds:schemaRef ds:uri="http://schemas.microsoft.com/sharepoint/v3/contenttype/forms"/>
   </ds:schemaRefs>
 </ds:datastoreItem>
 </file>
